--- a/genie_python_and_ibex/genie_python_and_ibex_LSS.pptx
+++ b/genie_python_and_ibex/genie_python_and_ibex_LSS.pptx
@@ -16,8 +16,8 @@
     <p:sldId id="303" r:id="rId10"/>
     <p:sldId id="305" r:id="rId11"/>
     <p:sldId id="307" r:id="rId12"/>
-    <p:sldId id="309" r:id="rId13"/>
-    <p:sldId id="310" r:id="rId14"/>
+    <p:sldId id="310" r:id="rId13"/>
+    <p:sldId id="309" r:id="rId14"/>
     <p:sldId id="312" r:id="rId15"/>
     <p:sldId id="313" r:id="rId16"/>
     <p:sldId id="314" r:id="rId17"/>
@@ -244,7 +244,7 @@
           <a:p>
             <a:fld id="{0DA9C53C-B82A-4351-B1EF-A4391C7B86A2}" type="datetimeFigureOut">
               <a:rPr lang="en-GB" smtClean="0"/>
-              <a:t>18/07/2017</a:t>
+              <a:t>19/07/2017</a:t>
             </a:fld>
             <a:endParaRPr lang="en-GB" dirty="0"/>
           </a:p>
@@ -644,22 +644,6 @@
               <a:buFontTx/>
               <a:buChar char="-"/>
             </a:pPr>
-            <a:r>
-              <a:rPr lang="en-GB" dirty="0" smtClean="0"/>
-              <a:t>Use auto-complete or </a:t>
-            </a:r>
-            <a:r>
-              <a:rPr lang="en-GB" dirty="0" err="1" smtClean="0"/>
-              <a:t>genie_python</a:t>
-            </a:r>
-            <a:r>
-              <a:rPr lang="en-GB" dirty="0" smtClean="0"/>
-              <a:t> reference manual to look up</a:t>
-            </a:r>
-            <a:r>
-              <a:rPr lang="en-GB" baseline="0" dirty="0" smtClean="0"/>
-              <a:t> change commands</a:t>
-            </a:r>
             <a:endParaRPr lang="en-GB" dirty="0" smtClean="0"/>
           </a:p>
         </p:txBody>
@@ -2052,7 +2036,7 @@
               <a:t> our old </a:t>
             </a:r>
             <a:r>
-              <a:rPr lang="en-GB" sz="1200" b="0" i="0" kern="1200" baseline="0" dirty="0" err="1" smtClean="0">
+              <a:rPr lang="en-GB" sz="1200" b="0" i="0" kern="1200" baseline="0" dirty="0" smtClean="0">
                 <a:solidFill>
                   <a:schemeClr val="tx1"/>
                 </a:solidFill>
@@ -2061,7 +2045,7 @@
                 <a:ea typeface="+mn-ea"/>
                 <a:cs typeface="+mn-cs"/>
               </a:rPr>
-              <a:t>OpenGENIE</a:t>
+              <a:t> Open GENIE </a:t>
             </a:r>
             <a:r>
               <a:rPr lang="en-GB" sz="1200" b="0" i="0" kern="1200" baseline="0" dirty="0" smtClean="0">
@@ -2073,7 +2057,7 @@
                 <a:ea typeface="+mn-ea"/>
                 <a:cs typeface="+mn-cs"/>
               </a:rPr>
-              <a:t> scripts to </a:t>
+              <a:t>scripts to </a:t>
             </a:r>
             <a:r>
               <a:rPr lang="en-GB" sz="1200" b="0" i="0" kern="1200" baseline="0" dirty="0" err="1" smtClean="0">
@@ -2477,8 +2461,21 @@
             </a:pPr>
             <a:r>
               <a:rPr lang="en-GB" b="0" dirty="0" smtClean="0"/>
-              <a:t>https://github.com/ISISComputingGroup/ibex_user_manual/wiki/genie_python-and-Ibex-%28Converting-from-OpenGENIE%29</a:t>
-            </a:r>
+              <a:t>https://</a:t>
+            </a:r>
+            <a:r>
+              <a:rPr lang="en-GB" b="0" dirty="0" smtClean="0"/>
+              <a:t>github.com/ISISComputingGroup/IBEX_user_manual/wiki/genie_python-and-IBEX-</a:t>
+            </a:r>
+            <a:r>
+              <a:rPr lang="en-GB" b="0" dirty="0" smtClean="0"/>
+              <a:t>%</a:t>
+            </a:r>
+            <a:r>
+              <a:rPr lang="en-GB" b="0" dirty="0" smtClean="0"/>
+              <a:t>28Converting-from- Open GENIE%29</a:t>
+            </a:r>
+            <a:endParaRPr lang="en-GB" b="0" dirty="0" smtClean="0"/>
           </a:p>
         </p:txBody>
       </p:sp>
@@ -2726,7 +2723,43 @@
                 <a:ea typeface="+mn-ea"/>
                 <a:cs typeface="+mn-cs"/>
               </a:rPr>
-              <a:t>Full conversion steps at: https://github.com/ISISComputingGroup/ibex_user_manual/wiki/genie_python-and-Ibex-%28Converting-from-OpenGENIE%29</a:t>
+              <a:t>Full conversion steps at: https://</a:t>
+            </a:r>
+            <a:r>
+              <a:rPr lang="en-GB" sz="1200" b="0" i="0" kern="1200" dirty="0" smtClean="0">
+                <a:solidFill>
+                  <a:schemeClr val="tx1"/>
+                </a:solidFill>
+                <a:effectLst/>
+                <a:latin typeface="+mn-lt"/>
+                <a:ea typeface="+mn-ea"/>
+                <a:cs typeface="+mn-cs"/>
+              </a:rPr>
+              <a:t>github.com/ISISComputingGroup/IBEX_user_manual/wiki/genie_python-and-IBEX-</a:t>
+            </a:r>
+            <a:r>
+              <a:rPr lang="en-GB" sz="1200" b="0" i="0" kern="1200" dirty="0" smtClean="0">
+                <a:solidFill>
+                  <a:schemeClr val="tx1"/>
+                </a:solidFill>
+                <a:effectLst/>
+                <a:latin typeface="+mn-lt"/>
+                <a:ea typeface="+mn-ea"/>
+                <a:cs typeface="+mn-cs"/>
+              </a:rPr>
+              <a:t>%</a:t>
+            </a:r>
+            <a:r>
+              <a:rPr lang="en-GB" sz="1200" b="0" i="0" kern="1200" dirty="0" smtClean="0">
+                <a:solidFill>
+                  <a:schemeClr val="tx1"/>
+                </a:solidFill>
+                <a:effectLst/>
+                <a:latin typeface="+mn-lt"/>
+                <a:ea typeface="+mn-ea"/>
+                <a:cs typeface="+mn-cs"/>
+              </a:rPr>
+              <a:t>28Converting-from- Open GENIE%29</a:t>
             </a:r>
             <a:endParaRPr lang="en-GB" sz="1200" b="0" i="0" kern="1200" dirty="0">
               <a:solidFill>
@@ -2952,14 +2985,8 @@
                 <a:ea typeface="+mn-ea"/>
                 <a:cs typeface="+mn-cs"/>
               </a:rPr>
-              <a:t> commands is from the scripting perspective of the Ibex client.</a:t>
-            </a:r>
-          </a:p>
-          <a:p>
-            <a:pPr marL="171450" indent="-171450">
-              <a:buFontTx/>
-              <a:buChar char="-"/>
-            </a:pPr>
+              <a:t> commands is from the scripting perspective of the </a:t>
+            </a:r>
             <a:r>
               <a:rPr lang="en-GB" sz="1200" b="0" i="0" kern="1200" dirty="0" smtClean="0">
                 <a:solidFill>
@@ -2970,14 +2997,8 @@
                 <a:ea typeface="+mn-ea"/>
                 <a:cs typeface="+mn-cs"/>
               </a:rPr>
-              <a:t>To open a scripting window:</a:t>
-            </a:r>
-          </a:p>
-          <a:p>
-            <a:pPr marL="628650" lvl="1" indent="-171450">
-              <a:buFontTx/>
-              <a:buChar char="-"/>
-            </a:pPr>
+              <a:t>IBEX </a:t>
+            </a:r>
             <a:r>
               <a:rPr lang="en-GB" sz="1200" b="0" i="0" kern="1200" dirty="0" smtClean="0">
                 <a:solidFill>
@@ -2988,7 +3009,67 @@
                 <a:ea typeface="+mn-ea"/>
                 <a:cs typeface="+mn-cs"/>
               </a:rPr>
-              <a:t>Start the Ibex client </a:t>
+              <a:t>client.</a:t>
+            </a:r>
+          </a:p>
+          <a:p>
+            <a:pPr marL="171450" indent="-171450">
+              <a:buFontTx/>
+              <a:buChar char="-"/>
+            </a:pPr>
+            <a:r>
+              <a:rPr lang="en-GB" sz="1200" b="0" i="0" kern="1200" dirty="0" smtClean="0">
+                <a:solidFill>
+                  <a:schemeClr val="tx1"/>
+                </a:solidFill>
+                <a:effectLst/>
+                <a:latin typeface="+mn-lt"/>
+                <a:ea typeface="+mn-ea"/>
+                <a:cs typeface="+mn-cs"/>
+              </a:rPr>
+              <a:t>To open a scripting window:</a:t>
+            </a:r>
+          </a:p>
+          <a:p>
+            <a:pPr marL="628650" lvl="1" indent="-171450">
+              <a:buFontTx/>
+              <a:buChar char="-"/>
+            </a:pPr>
+            <a:r>
+              <a:rPr lang="en-GB" sz="1200" b="0" i="0" kern="1200" dirty="0" smtClean="0">
+                <a:solidFill>
+                  <a:schemeClr val="tx1"/>
+                </a:solidFill>
+                <a:effectLst/>
+                <a:latin typeface="+mn-lt"/>
+                <a:ea typeface="+mn-ea"/>
+                <a:cs typeface="+mn-cs"/>
+              </a:rPr>
+              <a:t>Start the </a:t>
+            </a:r>
+            <a:r>
+              <a:rPr lang="en-GB" sz="1200" b="0" i="0" kern="1200" dirty="0" smtClean="0">
+                <a:solidFill>
+                  <a:schemeClr val="tx1"/>
+                </a:solidFill>
+                <a:effectLst/>
+                <a:latin typeface="+mn-lt"/>
+                <a:ea typeface="+mn-ea"/>
+                <a:cs typeface="+mn-cs"/>
+              </a:rPr>
+              <a:t>IBEX </a:t>
+            </a:r>
+            <a:r>
+              <a:rPr lang="en-GB" sz="1200" b="0" i="0" kern="1200" dirty="0" smtClean="0">
+                <a:solidFill>
+                  <a:schemeClr val="tx1"/>
+                </a:solidFill>
+                <a:effectLst/>
+                <a:latin typeface="+mn-lt"/>
+                <a:ea typeface="+mn-ea"/>
+                <a:cs typeface="+mn-cs"/>
+              </a:rPr>
+              <a:t>client </a:t>
             </a:r>
           </a:p>
           <a:p>
@@ -3793,6 +3874,22 @@
               <a:buFontTx/>
               <a:buChar char="-"/>
             </a:pPr>
+            <a:r>
+              <a:rPr lang="en-GB" dirty="0" smtClean="0"/>
+              <a:t>Use auto-complete or </a:t>
+            </a:r>
+            <a:r>
+              <a:rPr lang="en-GB" dirty="0" err="1" smtClean="0"/>
+              <a:t>genie_python</a:t>
+            </a:r>
+            <a:r>
+              <a:rPr lang="en-GB" dirty="0" smtClean="0"/>
+              <a:t> reference manual to look up</a:t>
+            </a:r>
+            <a:r>
+              <a:rPr lang="en-GB" baseline="0" dirty="0" smtClean="0"/>
+              <a:t> change commands</a:t>
+            </a:r>
             <a:endParaRPr lang="en-GB" dirty="0" smtClean="0"/>
           </a:p>
         </p:txBody>
@@ -4024,7 +4121,7 @@
               <a:pPr>
                 <a:defRPr/>
               </a:pPr>
-              <a:t>18/07/2017</a:t>
+              <a:t>19/07/2017</a:t>
             </a:fld>
             <a:endParaRPr lang="en-GB" dirty="0"/>
           </a:p>
@@ -4221,7 +4318,7 @@
               <a:pPr>
                 <a:defRPr/>
               </a:pPr>
-              <a:t>18/07/2017</a:t>
+              <a:t>19/07/2017</a:t>
             </a:fld>
             <a:endParaRPr lang="en-GB" dirty="0"/>
           </a:p>
@@ -4428,7 +4525,7 @@
               <a:pPr>
                 <a:defRPr/>
               </a:pPr>
-              <a:t>18/07/2017</a:t>
+              <a:t>19/07/2017</a:t>
             </a:fld>
             <a:endParaRPr lang="en-GB" dirty="0"/>
           </a:p>
@@ -4625,7 +4722,7 @@
               <a:pPr>
                 <a:defRPr/>
               </a:pPr>
-              <a:t>18/07/2017</a:t>
+              <a:t>19/07/2017</a:t>
             </a:fld>
             <a:endParaRPr lang="en-GB" dirty="0"/>
           </a:p>
@@ -4898,7 +4995,7 @@
               <a:pPr>
                 <a:defRPr/>
               </a:pPr>
-              <a:t>18/07/2017</a:t>
+              <a:t>19/07/2017</a:t>
             </a:fld>
             <a:endParaRPr lang="en-GB" dirty="0"/>
           </a:p>
@@ -5213,7 +5310,7 @@
               <a:pPr>
                 <a:defRPr/>
               </a:pPr>
-              <a:t>18/07/2017</a:t>
+              <a:t>19/07/2017</a:t>
             </a:fld>
             <a:endParaRPr lang="en-GB" dirty="0"/>
           </a:p>
@@ -5662,7 +5759,7 @@
               <a:pPr>
                 <a:defRPr/>
               </a:pPr>
-              <a:t>18/07/2017</a:t>
+              <a:t>19/07/2017</a:t>
             </a:fld>
             <a:endParaRPr lang="en-GB" dirty="0"/>
           </a:p>
@@ -5807,7 +5904,7 @@
               <a:pPr>
                 <a:defRPr/>
               </a:pPr>
-              <a:t>18/07/2017</a:t>
+              <a:t>19/07/2017</a:t>
             </a:fld>
             <a:endParaRPr lang="en-GB" dirty="0"/>
           </a:p>
@@ -5929,7 +6026,7 @@
               <a:pPr>
                 <a:defRPr/>
               </a:pPr>
-              <a:t>18/07/2017</a:t>
+              <a:t>19/07/2017</a:t>
             </a:fld>
             <a:endParaRPr lang="en-GB" dirty="0"/>
           </a:p>
@@ -6233,7 +6330,7 @@
               <a:pPr>
                 <a:defRPr/>
               </a:pPr>
-              <a:t>18/07/2017</a:t>
+              <a:t>19/07/2017</a:t>
             </a:fld>
             <a:endParaRPr lang="en-GB" dirty="0"/>
           </a:p>
@@ -6516,7 +6613,7 @@
               <a:pPr>
                 <a:defRPr/>
               </a:pPr>
-              <a:t>18/07/2017</a:t>
+              <a:t>19/07/2017</a:t>
             </a:fld>
             <a:endParaRPr lang="en-GB" dirty="0"/>
           </a:p>
@@ -6811,7 +6908,7 @@
               <a:pPr>
                 <a:defRPr/>
               </a:pPr>
-              <a:t>18/07/2017</a:t>
+              <a:t>19/07/2017</a:t>
             </a:fld>
             <a:endParaRPr lang="en-GB" dirty="0"/>
           </a:p>
@@ -7423,8 +7520,21 @@
                   <a:schemeClr val="tx1"/>
                 </a:solidFill>
               </a:rPr>
-              <a:t> and Ibex</a:t>
-            </a:r>
+              <a:t> and </a:t>
+            </a:r>
+            <a:r>
+              <a:rPr lang="en-GB" sz="3600" b="1" dirty="0" smtClean="0">
+                <a:solidFill>
+                  <a:schemeClr val="tx1"/>
+                </a:solidFill>
+              </a:rPr>
+              <a:t>IBEX</a:t>
+            </a:r>
+            <a:endParaRPr lang="en-GB" sz="3600" b="1" dirty="0" smtClean="0">
+              <a:solidFill>
+                <a:schemeClr val="tx1"/>
+              </a:solidFill>
+            </a:endParaRPr>
           </a:p>
           <a:p>
             <a:r>
@@ -7547,7 +7657,7 @@
             </a:br>
             <a:r>
               <a:rPr lang="en-GB" dirty="0" smtClean="0"/>
-              <a:t>Experiment details</a:t>
+              <a:t>Experiment setup</a:t>
             </a:r>
             <a:endParaRPr lang="en-GB" dirty="0"/>
           </a:p>
@@ -7577,88 +7687,27 @@
           <a:p>
             <a:r>
               <a:rPr lang="en-GB" dirty="0"/>
-              <a:t>You can change various experiment details with </a:t>
-            </a:r>
-            <a:r>
-              <a:rPr lang="en-GB" dirty="0" smtClean="0"/>
-              <a:t>one of the</a:t>
-            </a:r>
-            <a:r>
-              <a:rPr lang="en-GB" i="1" dirty="0" smtClean="0"/>
-              <a:t> “</a:t>
-            </a:r>
-            <a:r>
-              <a:rPr lang="en-GB" dirty="0">
-                <a:solidFill>
-                  <a:schemeClr val="accent2"/>
-                </a:solidFill>
-                <a:latin typeface="Consolas" panose="020B0609020204030204" pitchFamily="49" charset="0"/>
-                <a:cs typeface="Consolas" panose="020B0609020204030204" pitchFamily="49" charset="0"/>
-              </a:rPr>
-              <a:t>change_...</a:t>
+              <a:t>You can change various elements of the experiment setup using </a:t>
+            </a:r>
+            <a:r>
+              <a:rPr lang="en-GB" i="1" dirty="0" err="1"/>
+              <a:t>genie_python</a:t>
             </a:r>
             <a:r>
               <a:rPr lang="en-GB" dirty="0"/>
-              <a:t>”</a:t>
-            </a:r>
-            <a:r>
-              <a:rPr lang="en-GB" dirty="0"/>
-              <a:t> </a:t>
-            </a:r>
-            <a:r>
-              <a:rPr lang="en-GB" dirty="0" smtClean="0"/>
-              <a:t>functions:</a:t>
-            </a:r>
-          </a:p>
-          <a:p>
-            <a:pPr lvl="1"/>
-            <a:endParaRPr lang="en-GB" i="1" dirty="0" smtClean="0"/>
+              <a:t>. For example</a:t>
+            </a:r>
+            <a:r>
+              <a:rPr lang="en-GB" dirty="0" smtClean="0"/>
+              <a:t>:</a:t>
+            </a:r>
           </a:p>
           <a:p>
             <a:pPr marL="285750" indent="-285750">
               <a:buFont typeface="Arial" panose="020B0604020202020204" pitchFamily="34" charset="0"/>
               <a:buChar char="•"/>
             </a:pPr>
-            <a:r>
-              <a:rPr lang="en-GB" dirty="0" err="1">
-                <a:solidFill>
-                  <a:schemeClr val="accent2"/>
-                </a:solidFill>
-                <a:latin typeface="Consolas" panose="020B0609020204030204" pitchFamily="49" charset="0"/>
-                <a:cs typeface="Consolas" panose="020B0609020204030204" pitchFamily="49" charset="0"/>
-              </a:rPr>
-              <a:t>g.change_title</a:t>
-            </a:r>
-            <a:r>
-              <a:rPr lang="en-GB" dirty="0">
-                <a:solidFill>
-                  <a:schemeClr val="accent2"/>
-                </a:solidFill>
-                <a:latin typeface="Consolas" panose="020B0609020204030204" pitchFamily="49" charset="0"/>
-                <a:cs typeface="Consolas" panose="020B0609020204030204" pitchFamily="49" charset="0"/>
-              </a:rPr>
-              <a:t>("New </a:t>
-            </a:r>
-            <a:r>
-              <a:rPr lang="en-GB" dirty="0">
-                <a:solidFill>
-                  <a:schemeClr val="accent2"/>
-                </a:solidFill>
-                <a:latin typeface="Consolas" panose="020B0609020204030204" pitchFamily="49" charset="0"/>
-                <a:cs typeface="Consolas" panose="020B0609020204030204" pitchFamily="49" charset="0"/>
-              </a:rPr>
-              <a:t>title</a:t>
-            </a:r>
-            <a:r>
-              <a:rPr lang="en-GB" dirty="0">
-                <a:solidFill>
-                  <a:schemeClr val="accent2"/>
-                </a:solidFill>
-                <a:latin typeface="Consolas" panose="020B0609020204030204" pitchFamily="49" charset="0"/>
-                <a:cs typeface="Consolas" panose="020B0609020204030204" pitchFamily="49" charset="0"/>
-              </a:rPr>
-              <a:t>")</a:t>
-            </a:r>
+            <a:endParaRPr lang="en-GB" i="1" dirty="0"/>
           </a:p>
           <a:p>
             <a:pPr marL="285750" indent="-285750">
@@ -7673,37 +7722,11 @@
                 <a:latin typeface="Consolas" panose="020B0609020204030204" pitchFamily="49" charset="0"/>
                 <a:cs typeface="Consolas" panose="020B0609020204030204" pitchFamily="49" charset="0"/>
               </a:rPr>
-              <a:t>g.change_user</a:t>
-            </a:r>
-            <a:r>
-              <a:rPr lang="en-GB" dirty="0">
-                <a:solidFill>
-                  <a:schemeClr val="accent2"/>
-                </a:solidFill>
-                <a:latin typeface="Consolas" panose="020B0609020204030204" pitchFamily="49" charset="0"/>
-                <a:cs typeface="Consolas" panose="020B0609020204030204" pitchFamily="49" charset="0"/>
-              </a:rPr>
-              <a:t>(“Adrian </a:t>
-            </a:r>
-            <a:r>
-              <a:rPr lang="en-GB" dirty="0">
-                <a:solidFill>
-                  <a:schemeClr val="accent2"/>
-                </a:solidFill>
-                <a:latin typeface="Consolas" panose="020B0609020204030204" pitchFamily="49" charset="0"/>
-                <a:cs typeface="Consolas" panose="020B0609020204030204" pitchFamily="49" charset="0"/>
-              </a:rPr>
-              <a:t>and John</a:t>
-            </a:r>
-            <a:r>
-              <a:rPr lang="en-GB" dirty="0">
-                <a:solidFill>
-                  <a:schemeClr val="accent2"/>
-                </a:solidFill>
-                <a:latin typeface="Consolas" panose="020B0609020204030204" pitchFamily="49" charset="0"/>
-                <a:cs typeface="Consolas" panose="020B0609020204030204" pitchFamily="49" charset="0"/>
-              </a:rPr>
-              <a:t>")</a:t>
+              <a:t>change_tcb</a:t>
+            </a:r>
+            <a:r>
+              <a:rPr lang="en-GB" dirty="0"/>
+              <a:t>: Change the time channel binning</a:t>
             </a:r>
           </a:p>
           <a:p>
@@ -7719,63 +7742,12 @@
                 <a:latin typeface="Consolas" panose="020B0609020204030204" pitchFamily="49" charset="0"/>
                 <a:cs typeface="Consolas" panose="020B0609020204030204" pitchFamily="49" charset="0"/>
               </a:rPr>
-              <a:t>g.change_rb</a:t>
-            </a:r>
-            <a:r>
-              <a:rPr lang="en-GB" dirty="0">
-                <a:solidFill>
-                  <a:schemeClr val="accent2"/>
-                </a:solidFill>
-                <a:latin typeface="Consolas" panose="020B0609020204030204" pitchFamily="49" charset="0"/>
-                <a:cs typeface="Consolas" panose="020B0609020204030204" pitchFamily="49" charset="0"/>
-              </a:rPr>
-              <a:t>(10)</a:t>
-            </a:r>
-          </a:p>
-          <a:p>
-            <a:pPr lvl="1"/>
-            <a:endParaRPr lang="en-GB" i="1" dirty="0" smtClean="0"/>
-          </a:p>
-          <a:p>
-            <a:r>
-              <a:rPr lang="en-GB" dirty="0" smtClean="0"/>
-              <a:t>You can get properties using the equivalent </a:t>
-            </a:r>
-            <a:r>
-              <a:rPr lang="en-GB" i="1" dirty="0" smtClean="0"/>
-              <a:t>“</a:t>
-            </a:r>
-            <a:r>
-              <a:rPr lang="en-GB" dirty="0">
-                <a:solidFill>
-                  <a:schemeClr val="accent2"/>
-                </a:solidFill>
-                <a:latin typeface="Consolas" panose="020B0609020204030204" pitchFamily="49" charset="0"/>
-                <a:cs typeface="Consolas" panose="020B0609020204030204" pitchFamily="49" charset="0"/>
-              </a:rPr>
-              <a:t>get</a:t>
-            </a:r>
-            <a:r>
-              <a:rPr lang="en-GB" dirty="0" smtClean="0">
-                <a:solidFill>
-                  <a:schemeClr val="accent2"/>
-                </a:solidFill>
-                <a:latin typeface="Consolas" panose="020B0609020204030204" pitchFamily="49" charset="0"/>
-                <a:cs typeface="Consolas" panose="020B0609020204030204" pitchFamily="49" charset="0"/>
-              </a:rPr>
-              <a:t>_...</a:t>
-            </a:r>
-            <a:r>
-              <a:rPr lang="en-GB" i="1" dirty="0" smtClean="0"/>
-              <a:t>” </a:t>
-            </a:r>
-            <a:r>
-              <a:rPr lang="en-GB" dirty="0" smtClean="0"/>
-              <a:t>command:</a:t>
-            </a:r>
-          </a:p>
-          <a:p>
-            <a:endParaRPr lang="en-GB" dirty="0" smtClean="0"/>
+              <a:t>change_tables</a:t>
+            </a:r>
+            <a:r>
+              <a:rPr lang="en-GB" dirty="0"/>
+              <a:t>: Change the wiring, spectra and detector table locations</a:t>
+            </a:r>
           </a:p>
           <a:p>
             <a:pPr marL="285750" indent="-285750">
@@ -7790,17 +7762,15 @@
                 <a:latin typeface="Consolas" panose="020B0609020204030204" pitchFamily="49" charset="0"/>
                 <a:cs typeface="Consolas" panose="020B0609020204030204" pitchFamily="49" charset="0"/>
               </a:rPr>
-              <a:t>g.get_title</a:t>
-            </a:r>
-            <a:r>
-              <a:rPr lang="en-GB" dirty="0">
-                <a:solidFill>
-                  <a:schemeClr val="accent2"/>
-                </a:solidFill>
-                <a:latin typeface="Consolas" panose="020B0609020204030204" pitchFamily="49" charset="0"/>
-                <a:cs typeface="Consolas" panose="020B0609020204030204" pitchFamily="49" charset="0"/>
-              </a:rPr>
-              <a:t>()</a:t>
+              <a:t>change_monitor</a:t>
+            </a:r>
+            <a:r>
+              <a:rPr lang="en-GB" dirty="0"/>
+              <a:t>: Change the monitor to a specified spectrum and </a:t>
+            </a:r>
+            <a:r>
+              <a:rPr lang="en-GB" dirty="0" smtClean="0"/>
+              <a:t>range</a:t>
             </a:r>
           </a:p>
           <a:p>
@@ -7808,25 +7778,12 @@
               <a:buFont typeface="Arial" panose="020B0604020202020204" pitchFamily="34" charset="0"/>
               <a:buChar char="•"/>
             </a:pPr>
-            <a:r>
-              <a:rPr lang="en-GB" dirty="0" err="1">
-                <a:solidFill>
-                  <a:schemeClr val="accent2"/>
-                </a:solidFill>
-                <a:latin typeface="Consolas" panose="020B0609020204030204" pitchFamily="49" charset="0"/>
-                <a:cs typeface="Consolas" panose="020B0609020204030204" pitchFamily="49" charset="0"/>
-              </a:rPr>
-              <a:t>g.get_user</a:t>
-            </a:r>
-            <a:r>
-              <a:rPr lang="en-GB" dirty="0">
-                <a:solidFill>
-                  <a:schemeClr val="accent2"/>
-                </a:solidFill>
-                <a:latin typeface="Consolas" panose="020B0609020204030204" pitchFamily="49" charset="0"/>
-                <a:cs typeface="Consolas" panose="020B0609020204030204" pitchFamily="49" charset="0"/>
-              </a:rPr>
-              <a:t>()</a:t>
+            <a:endParaRPr lang="en-GB" dirty="0"/>
+          </a:p>
+          <a:p>
+            <a:r>
+              <a:rPr lang="en-GB" dirty="0" smtClean="0"/>
+              <a:t>If you use the following commands, you can stop a run from starting while you’re still applying changes:</a:t>
             </a:r>
           </a:p>
           <a:p>
@@ -7834,6 +7791,13 @@
               <a:buFont typeface="Arial" panose="020B0604020202020204" pitchFamily="34" charset="0"/>
               <a:buChar char="•"/>
             </a:pPr>
+            <a:endParaRPr lang="en-GB" dirty="0"/>
+          </a:p>
+          <a:p>
+            <a:pPr marL="285750" indent="-285750">
+              <a:buFont typeface="Arial" panose="020B0604020202020204" pitchFamily="34" charset="0"/>
+              <a:buChar char="•"/>
+            </a:pPr>
             <a:r>
               <a:rPr lang="en-GB" dirty="0" err="1">
                 <a:solidFill>
@@ -7842,25 +7806,44 @@
                 <a:latin typeface="Consolas" panose="020B0609020204030204" pitchFamily="49" charset="0"/>
                 <a:cs typeface="Consolas" panose="020B0609020204030204" pitchFamily="49" charset="0"/>
               </a:rPr>
-              <a:t>g.get_rb</a:t>
-            </a:r>
-            <a:r>
-              <a:rPr lang="en-GB" dirty="0">
+              <a:t>change_start</a:t>
+            </a:r>
+            <a:r>
+              <a:rPr lang="en-GB" dirty="0"/>
+              <a:t>: Marks the start of a change</a:t>
+            </a:r>
+          </a:p>
+          <a:p>
+            <a:pPr marL="285750" indent="-285750">
+              <a:buFont typeface="Arial" panose="020B0604020202020204" pitchFamily="34" charset="0"/>
+              <a:buChar char="•"/>
+            </a:pPr>
+            <a:r>
+              <a:rPr lang="en-GB" dirty="0" err="1">
                 <a:solidFill>
                   <a:schemeClr val="accent2"/>
                 </a:solidFill>
                 <a:latin typeface="Consolas" panose="020B0609020204030204" pitchFamily="49" charset="0"/>
                 <a:cs typeface="Consolas" panose="020B0609020204030204" pitchFamily="49" charset="0"/>
               </a:rPr>
-              <a:t>()</a:t>
-            </a:r>
+              <a:t>change_finish</a:t>
+            </a:r>
+            <a:r>
+              <a:rPr lang="en-GB" dirty="0"/>
+              <a:t>: Marks that the current set of changes is complete</a:t>
+            </a:r>
+            <a:r>
+              <a:rPr lang="en-GB" dirty="0" smtClean="0"/>
+              <a:t>.</a:t>
+            </a:r>
+            <a:endParaRPr lang="en-GB" dirty="0"/>
           </a:p>
         </p:txBody>
       </p:sp>
     </p:spTree>
     <p:extLst>
       <p:ext uri="{BB962C8B-B14F-4D97-AF65-F5344CB8AC3E}">
-        <p14:creationId xmlns:p14="http://schemas.microsoft.com/office/powerpoint/2010/main" val="1100711507"/>
+        <p14:creationId xmlns:p14="http://schemas.microsoft.com/office/powerpoint/2010/main" val="1380173549"/>
       </p:ext>
     </p:extLst>
   </p:cSld>
@@ -8064,7 +8047,7 @@
             </a:pPr>
             <a:r>
               <a:rPr lang="en-GB" dirty="0" smtClean="0"/>
-              <a:t>Ibex </a:t>
+              <a:t>IBEX </a:t>
             </a:r>
             <a:r>
               <a:rPr lang="en-GB" dirty="0"/>
@@ -8636,7 +8619,7 @@
         <p:spPr>
           <a:xfrm>
             <a:off x="395536" y="1844824"/>
-            <a:ext cx="8496944" cy="1938992"/>
+            <a:ext cx="8496944" cy="2308324"/>
           </a:xfrm>
           <a:prstGeom prst="rect">
             <a:avLst/>
@@ -8745,13 +8728,6 @@
               </a:rPr>
               <a:t>("MY_BLOCK") </a:t>
             </a:r>
-            <a:endParaRPr lang="en-GB" sz="2400" dirty="0">
-              <a:solidFill>
-                <a:schemeClr val="accent2"/>
-              </a:solidFill>
-              <a:latin typeface="Consolas" panose="020B0609020204030204" pitchFamily="49" charset="0"/>
-              <a:cs typeface="Consolas" panose="020B0609020204030204" pitchFamily="49" charset="0"/>
-            </a:endParaRPr>
           </a:p>
           <a:p>
             <a:pPr marL="342900" indent="-342900">
@@ -8763,8 +8739,12 @@
               <a:t>The </a:t>
             </a:r>
             <a:r>
+              <a:rPr lang="en-GB" sz="2400" dirty="0" smtClean="0"/>
+              <a:t>IBEX </a:t>
+            </a:r>
+            <a:r>
               <a:rPr lang="en-GB" sz="2400" dirty="0"/>
-              <a:t>Ibex scripting perspective will provide auto-completion for instrument methods so you can see what is </a:t>
+              <a:t>scripting perspective will provide auto-completion for instrument methods so you can see what is </a:t>
             </a:r>
             <a:r>
               <a:rPr lang="en-GB" sz="2400" dirty="0" smtClean="0"/>
@@ -9053,8 +9033,8 @@
               <a:t>Converting from </a:t>
             </a:r>
             <a:r>
-              <a:rPr lang="en-GB" dirty="0" err="1" smtClean="0"/>
-              <a:t>OpenGENIE</a:t>
+              <a:rPr lang="en-GB" dirty="0" smtClean="0"/>
+              <a:t> Open GENIE</a:t>
             </a:r>
             <a:r>
               <a:rPr lang="en-GB" dirty="0" smtClean="0"/>
@@ -9279,8 +9259,8 @@
               <a:t>Converting from </a:t>
             </a:r>
             <a:r>
-              <a:rPr lang="en-GB" dirty="0" err="1" smtClean="0"/>
-              <a:t>OpenGENIE</a:t>
+              <a:rPr lang="en-GB" dirty="0" smtClean="0"/>
+              <a:t> Open GENIE</a:t>
             </a:r>
             <a:r>
               <a:rPr lang="en-GB" dirty="0" smtClean="0"/>
@@ -9505,8 +9485,8 @@
               <a:t>Converting from </a:t>
             </a:r>
             <a:r>
-              <a:rPr lang="en-GB" dirty="0" err="1" smtClean="0"/>
-              <a:t>OpenGENIE</a:t>
+              <a:rPr lang="en-GB" dirty="0" smtClean="0"/>
+              <a:t> Open GENIE</a:t>
             </a:r>
             <a:r>
               <a:rPr lang="en-GB" dirty="0" smtClean="0"/>
@@ -9731,8 +9711,8 @@
               <a:t>Converting from </a:t>
             </a:r>
             <a:r>
-              <a:rPr lang="en-GB" dirty="0" err="1" smtClean="0"/>
-              <a:t>OpenGENIE</a:t>
+              <a:rPr lang="en-GB" dirty="0" smtClean="0"/>
+              <a:t> Open GENIE</a:t>
             </a:r>
             <a:r>
               <a:rPr lang="en-GB" dirty="0" smtClean="0"/>
@@ -10000,8 +9980,8 @@
               <a:t>Converting from </a:t>
             </a:r>
             <a:r>
-              <a:rPr lang="en-GB" dirty="0" err="1" smtClean="0"/>
-              <a:t>OpenGENIE</a:t>
+              <a:rPr lang="en-GB" dirty="0" smtClean="0"/>
+              <a:t> Open GENIE</a:t>
             </a:r>
             <a:endParaRPr lang="en-GB" dirty="0" smtClean="0"/>
           </a:p>
@@ -10064,8 +10044,8 @@
               <a:t>Converting from </a:t>
             </a:r>
             <a:r>
-              <a:rPr lang="en-GB" dirty="0" err="1" smtClean="0"/>
-              <a:t>OpenGENIE</a:t>
+              <a:rPr lang="en-GB" dirty="0" smtClean="0"/>
+              <a:t> Open GENIE</a:t>
             </a:r>
             <a:r>
               <a:rPr lang="en-GB" dirty="0" smtClean="0"/>
@@ -10113,8 +10093,8 @@
               <a:t>The majority of </a:t>
             </a:r>
             <a:r>
-              <a:rPr lang="en-GB" dirty="0" err="1"/>
-              <a:t>OpenGENIE</a:t>
+              <a:rPr lang="en-GB" dirty="0" smtClean="0"/>
+              <a:t> Open GENIE</a:t>
             </a:r>
             <a:r>
               <a:rPr lang="en-GB" dirty="0"/>
@@ -10216,13 +10196,6 @@
               </a:rPr>
               <a:t>(“New title”)</a:t>
             </a:r>
-            <a:endParaRPr lang="en-GB" dirty="0">
-              <a:solidFill>
-                <a:schemeClr val="accent2"/>
-              </a:solidFill>
-              <a:latin typeface="Consolas" panose="020B0609020204030204" pitchFamily="49" charset="0"/>
-              <a:cs typeface="Consolas" panose="020B0609020204030204" pitchFamily="49" charset="0"/>
-            </a:endParaRPr>
           </a:p>
           <a:p>
             <a:pPr marL="342900" indent="-342900">
@@ -10242,12 +10215,8 @@
               <a:t> </a:t>
             </a:r>
             <a:r>
-              <a:rPr lang="en-GB" dirty="0" err="1" smtClean="0"/>
-              <a:t>OpenGENIE</a:t>
-            </a:r>
-            <a:r>
-              <a:rPr lang="en-GB" dirty="0"/>
-              <a:t> </a:t>
+              <a:rPr lang="en-GB" dirty="0" smtClean="0"/>
+              <a:t> Open GENIE </a:t>
             </a:r>
             <a:r>
               <a:rPr lang="en-GB" dirty="0" smtClean="0"/>
@@ -10279,17 +10248,7 @@
                 <a:latin typeface="Consolas" panose="020B0609020204030204" pitchFamily="49" charset="0"/>
                 <a:cs typeface="Consolas" panose="020B0609020204030204" pitchFamily="49" charset="0"/>
               </a:rPr>
-              <a:t>CSET/CONTROL TEMP1=5 LOWLIMIT=1 </a:t>
-            </a:r>
-            <a:r>
-              <a:rPr lang="en-GB" dirty="0">
-                <a:solidFill>
-                  <a:schemeClr val="accent4"/>
-                </a:solidFill>
-                <a:latin typeface="Consolas" panose="020B0609020204030204" pitchFamily="49" charset="0"/>
-                <a:cs typeface="Consolas" panose="020B0609020204030204" pitchFamily="49" charset="0"/>
-              </a:rPr>
-              <a:t>HIGHLIMIT=10 </a:t>
+              <a:t>CSET/CONTROL TEMP1=5 LOWLIMIT=1 HIGHLIMIT=10 </a:t>
             </a:r>
             <a:r>
               <a:rPr lang="en-GB" dirty="0"/>
@@ -10435,8 +10394,8 @@
               <a:t>Converting from </a:t>
             </a:r>
             <a:r>
-              <a:rPr lang="en-GB" dirty="0" err="1" smtClean="0"/>
-              <a:t>OpenGENIE</a:t>
+              <a:rPr lang="en-GB" dirty="0" smtClean="0"/>
+              <a:t> Open GENIE</a:t>
             </a:r>
             <a:r>
               <a:rPr lang="en-GB" dirty="0" smtClean="0"/>
@@ -10572,8 +10531,8 @@
               <a:t>Converting from </a:t>
             </a:r>
             <a:r>
-              <a:rPr lang="en-GB" dirty="0" err="1" smtClean="0"/>
-              <a:t>OpenGENIE</a:t>
+              <a:rPr lang="en-GB" dirty="0" smtClean="0"/>
+              <a:t> Open GENIE</a:t>
             </a:r>
             <a:r>
               <a:rPr lang="en-GB" dirty="0" smtClean="0"/>
@@ -10746,7 +10705,7 @@
               <a:rPr lang="en-GB" sz="2000" u="sng" dirty="0" smtClean="0">
                 <a:hlinkClick r:id="rId4"/>
               </a:rPr>
-              <a:t>shadow.nd.rl.ac.uk/ibex_user_manual/Home</a:t>
+              <a:t>shadow.nd.rl.ac.uk/IBEX_user_manual/Home</a:t>
             </a:r>
             <a:endParaRPr lang="en-GB" sz="2000" u="sng" dirty="0"/>
           </a:p>
@@ -10764,7 +10723,19 @@
               <a:rPr lang="en-GB" sz="2000" u="sng" dirty="0">
                 <a:hlinkClick r:id="rId5"/>
               </a:rPr>
-              <a:t>http://shadow.nd.rl.ac.uk/ibex_user_manual/genie_python-and-Ibex-(Introduction</a:t>
+              <a:t>http://</a:t>
+            </a:r>
+            <a:r>
+              <a:rPr lang="en-GB" sz="2000" u="sng" dirty="0" smtClean="0">
+                <a:hlinkClick r:id="rId5"/>
+              </a:rPr>
+              <a:t>shadow.nd.rl.ac.uk/IBEX_user_manual/genie_python-and-IBEX-</a:t>
+            </a:r>
+            <a:r>
+              <a:rPr lang="en-GB" sz="2000" u="sng" dirty="0">
+                <a:hlinkClick r:id="rId5"/>
+              </a:rPr>
+              <a:t>(Introduction</a:t>
             </a:r>
             <a:r>
               <a:rPr lang="en-GB" sz="2000" u="sng" dirty="0" smtClean="0">
@@ -11031,11 +11002,7 @@
             </a:r>
             <a:r>
               <a:rPr lang="en-GB" sz="2400" dirty="0" smtClean="0"/>
-              <a:t>’ </a:t>
-            </a:r>
-            <a:r>
-              <a:rPr lang="en-GB" sz="2400" dirty="0" smtClean="0"/>
-              <a:t>namespace</a:t>
+              <a:t>’ namespace</a:t>
             </a:r>
             <a:r>
               <a:rPr lang="en-GB" sz="2400" dirty="0"/>
@@ -11089,11 +11056,7 @@
             </a:pPr>
             <a:r>
               <a:rPr lang="en-GB" sz="2400" dirty="0" smtClean="0"/>
-              <a:t>Autocomplete </a:t>
-            </a:r>
-            <a:r>
-              <a:rPr lang="en-GB" sz="2400" dirty="0" smtClean="0"/>
-              <a:t>will suggest available functions:</a:t>
+              <a:t>Autocomplete will suggest available functions:</a:t>
             </a:r>
           </a:p>
         </p:txBody>
@@ -11449,7 +11412,7 @@
         <p:spPr>
           <a:xfrm>
             <a:off x="395536" y="1844824"/>
-            <a:ext cx="8496944" cy="3046988"/>
+            <a:ext cx="8496944" cy="3416320"/>
           </a:xfrm>
           <a:prstGeom prst="rect">
             <a:avLst/>
@@ -11588,37 +11551,17 @@
                 <a:latin typeface="Consolas" panose="020B0609020204030204" pitchFamily="49" charset="0"/>
                 <a:cs typeface="Consolas" panose="020B0609020204030204" pitchFamily="49" charset="0"/>
               </a:rPr>
-              <a:t>g</a:t>
-            </a:r>
-            <a:r>
-              <a:rPr lang="en-GB" sz="2400" dirty="0" err="1">
+              <a:t>g.waitfor_block</a:t>
+            </a:r>
+            <a:r>
+              <a:rPr lang="en-GB" sz="2400" dirty="0">
                 <a:solidFill>
                   <a:srgbClr val="00B050"/>
                 </a:solidFill>
                 <a:latin typeface="Consolas" panose="020B0609020204030204" pitchFamily="49" charset="0"/>
                 <a:cs typeface="Consolas" panose="020B0609020204030204" pitchFamily="49" charset="0"/>
               </a:rPr>
-              <a:t>.waitfor_block</a:t>
-            </a:r>
-            <a:r>
-              <a:rPr lang="en-GB" sz="2400" dirty="0">
-                <a:solidFill>
-                  <a:srgbClr val="00B050"/>
-                </a:solidFill>
-                <a:latin typeface="Consolas" panose="020B0609020204030204" pitchFamily="49" charset="0"/>
-                <a:cs typeface="Consolas" panose="020B0609020204030204" pitchFamily="49" charset="0"/>
-              </a:rPr>
-              <a:t>("</a:t>
-            </a:r>
-            <a:r>
-              <a:rPr lang="en-GB" sz="2400" dirty="0">
-                <a:solidFill>
-                  <a:srgbClr val="00B050"/>
-                </a:solidFill>
-                <a:latin typeface="Consolas" panose="020B0609020204030204" pitchFamily="49" charset="0"/>
-                <a:cs typeface="Consolas" panose="020B0609020204030204" pitchFamily="49" charset="0"/>
-              </a:rPr>
-              <a:t>MY_BLOCK", </a:t>
+              <a:t>("MY_BLOCK", </a:t>
             </a:r>
             <a:r>
               <a:rPr lang="en-GB" sz="2400" dirty="0" err="1">
@@ -11654,27 +11597,43 @@
                 <a:latin typeface="Consolas" panose="020B0609020204030204" pitchFamily="49" charset="0"/>
                 <a:cs typeface="Consolas" panose="020B0609020204030204" pitchFamily="49" charset="0"/>
               </a:rPr>
-              <a:t>g</a:t>
-            </a:r>
-            <a:r>
-              <a:rPr lang="en-GB" sz="2400" dirty="0" err="1">
+              <a:t>g.waitfor_move</a:t>
+            </a:r>
+            <a:r>
+              <a:rPr lang="en-GB" sz="2400" dirty="0" smtClean="0">
                 <a:solidFill>
                   <a:srgbClr val="00B050"/>
                 </a:solidFill>
                 <a:latin typeface="Consolas" panose="020B0609020204030204" pitchFamily="49" charset="0"/>
                 <a:cs typeface="Consolas" panose="020B0609020204030204" pitchFamily="49" charset="0"/>
               </a:rPr>
-              <a:t>.waitfor_move</a:t>
-            </a:r>
-            <a:r>
-              <a:rPr lang="en-GB" sz="2400" dirty="0">
+              <a:t>()</a:t>
+            </a:r>
+          </a:p>
+          <a:p>
+            <a:pPr marL="800100" lvl="1" indent="-342900">
+              <a:buFont typeface="Arial" panose="020B0604020202020204" pitchFamily="34" charset="0"/>
+              <a:buChar char="•"/>
+            </a:pPr>
+            <a:r>
+              <a:rPr lang="en-GB" sz="2400" dirty="0" err="1" smtClean="0">
                 <a:solidFill>
                   <a:srgbClr val="00B050"/>
                 </a:solidFill>
                 <a:latin typeface="Consolas" panose="020B0609020204030204" pitchFamily="49" charset="0"/>
                 <a:cs typeface="Consolas" panose="020B0609020204030204" pitchFamily="49" charset="0"/>
               </a:rPr>
-              <a:t>()</a:t>
+              <a:t>g.waitfor_runstate</a:t>
+            </a:r>
+            <a:r>
+              <a:rPr lang="en-GB" sz="2400" dirty="0" smtClean="0">
+                <a:solidFill>
+                  <a:srgbClr val="00B050"/>
+                </a:solidFill>
+                <a:latin typeface="Consolas" panose="020B0609020204030204" pitchFamily="49" charset="0"/>
+                <a:cs typeface="Consolas" panose="020B0609020204030204" pitchFamily="49" charset="0"/>
+              </a:rPr>
+              <a:t>(“Running”, 60)</a:t>
             </a:r>
             <a:endParaRPr lang="en-GB" sz="2400" dirty="0">
               <a:solidFill>
@@ -12285,25 +12244,8 @@
                 <a:latin typeface="Consolas" panose="020B0609020204030204" pitchFamily="49" charset="0"/>
                 <a:cs typeface="Consolas" panose="020B0609020204030204" pitchFamily="49" charset="0"/>
               </a:rPr>
-              <a:t>=True</a:t>
-            </a:r>
-            <a:r>
-              <a:rPr lang="en-GB" sz="1400" dirty="0">
-                <a:solidFill>
-                  <a:schemeClr val="accent2"/>
-                </a:solidFill>
-                <a:latin typeface="Consolas" panose="020B0609020204030204" pitchFamily="49" charset="0"/>
-                <a:cs typeface="Consolas" panose="020B0609020204030204" pitchFamily="49" charset="0"/>
-              </a:rPr>
-              <a:t>)</a:t>
-            </a:r>
-            <a:endParaRPr lang="en-GB" sz="1400" dirty="0">
-              <a:solidFill>
-                <a:schemeClr val="accent2"/>
-              </a:solidFill>
-              <a:latin typeface="Consolas" panose="020B0609020204030204" pitchFamily="49" charset="0"/>
-              <a:cs typeface="Consolas" panose="020B0609020204030204" pitchFamily="49" charset="0"/>
-            </a:endParaRPr>
+              <a:t>=True)</a:t>
+            </a:r>
           </a:p>
         </p:txBody>
       </p:sp>
@@ -12368,7 +12310,7 @@
             </a:br>
             <a:r>
               <a:rPr lang="en-GB" dirty="0" smtClean="0"/>
-              <a:t>Experiment setup</a:t>
+              <a:t>Experiment details</a:t>
             </a:r>
             <a:endParaRPr lang="en-GB" dirty="0"/>
           </a:p>
@@ -12398,27 +12340,64 @@
           <a:p>
             <a:r>
               <a:rPr lang="en-GB" dirty="0"/>
-              <a:t>You can change various elements of the experiment setup using </a:t>
-            </a:r>
-            <a:r>
-              <a:rPr lang="en-GB" i="1" dirty="0" err="1"/>
-              <a:t>genie_python</a:t>
+              <a:t>You can change various experiment details with </a:t>
+            </a:r>
+            <a:r>
+              <a:rPr lang="en-GB" dirty="0" smtClean="0"/>
+              <a:t>one of the</a:t>
+            </a:r>
+            <a:r>
+              <a:rPr lang="en-GB" i="1" dirty="0" smtClean="0"/>
+              <a:t> “</a:t>
+            </a:r>
+            <a:r>
+              <a:rPr lang="en-GB" dirty="0">
+                <a:solidFill>
+                  <a:schemeClr val="accent2"/>
+                </a:solidFill>
+                <a:latin typeface="Consolas" panose="020B0609020204030204" pitchFamily="49" charset="0"/>
+                <a:cs typeface="Consolas" panose="020B0609020204030204" pitchFamily="49" charset="0"/>
+              </a:rPr>
+              <a:t>change_...</a:t>
             </a:r>
             <a:r>
               <a:rPr lang="en-GB" dirty="0"/>
-              <a:t>. For example</a:t>
-            </a:r>
-            <a:r>
-              <a:rPr lang="en-GB" dirty="0" smtClean="0"/>
-              <a:t>:</a:t>
-            </a:r>
+              <a:t>” </a:t>
+            </a:r>
+            <a:r>
+              <a:rPr lang="en-GB" dirty="0" smtClean="0"/>
+              <a:t>functions:</a:t>
+            </a:r>
+          </a:p>
+          <a:p>
+            <a:pPr lvl="1"/>
+            <a:endParaRPr lang="en-GB" i="1" dirty="0" smtClean="0"/>
           </a:p>
           <a:p>
             <a:pPr marL="285750" indent="-285750">
               <a:buFont typeface="Arial" panose="020B0604020202020204" pitchFamily="34" charset="0"/>
               <a:buChar char="•"/>
             </a:pPr>
-            <a:endParaRPr lang="en-GB" i="1" dirty="0"/>
+            <a:r>
+              <a:rPr lang="en-GB" dirty="0" err="1">
+                <a:solidFill>
+                  <a:schemeClr val="accent2"/>
+                </a:solidFill>
+                <a:latin typeface="Consolas" panose="020B0609020204030204" pitchFamily="49" charset="0"/>
+                <a:cs typeface="Consolas" panose="020B0609020204030204" pitchFamily="49" charset="0"/>
+              </a:rPr>
+              <a:t>g.change_title</a:t>
+            </a:r>
+            <a:r>
+              <a:rPr lang="en-GB" dirty="0">
+                <a:solidFill>
+                  <a:schemeClr val="accent2"/>
+                </a:solidFill>
+                <a:latin typeface="Consolas" panose="020B0609020204030204" pitchFamily="49" charset="0"/>
+                <a:cs typeface="Consolas" panose="020B0609020204030204" pitchFamily="49" charset="0"/>
+              </a:rPr>
+              <a:t>("New title")</a:t>
+            </a:r>
           </a:p>
           <a:p>
             <a:pPr marL="285750" indent="-285750">
@@ -12433,11 +12412,17 @@
                 <a:latin typeface="Consolas" panose="020B0609020204030204" pitchFamily="49" charset="0"/>
                 <a:cs typeface="Consolas" panose="020B0609020204030204" pitchFamily="49" charset="0"/>
               </a:rPr>
-              <a:t>change_tcb</a:t>
-            </a:r>
-            <a:r>
-              <a:rPr lang="en-GB" dirty="0"/>
-              <a:t>: Change the time channel binning</a:t>
+              <a:t>g.change_user</a:t>
+            </a:r>
+            <a:r>
+              <a:rPr lang="en-GB" dirty="0">
+                <a:solidFill>
+                  <a:schemeClr val="accent2"/>
+                </a:solidFill>
+                <a:latin typeface="Consolas" panose="020B0609020204030204" pitchFamily="49" charset="0"/>
+                <a:cs typeface="Consolas" panose="020B0609020204030204" pitchFamily="49" charset="0"/>
+              </a:rPr>
+              <a:t>(“Adrian and John")</a:t>
             </a:r>
           </a:p>
           <a:p>
@@ -12453,12 +12438,63 @@
                 <a:latin typeface="Consolas" panose="020B0609020204030204" pitchFamily="49" charset="0"/>
                 <a:cs typeface="Consolas" panose="020B0609020204030204" pitchFamily="49" charset="0"/>
               </a:rPr>
-              <a:t>change_tables</a:t>
-            </a:r>
-            <a:r>
-              <a:rPr lang="en-GB" dirty="0"/>
-              <a:t>: Change the wiring, spectra and detector table locations</a:t>
-            </a:r>
+              <a:t>g.change_rb</a:t>
+            </a:r>
+            <a:r>
+              <a:rPr lang="en-GB" dirty="0">
+                <a:solidFill>
+                  <a:schemeClr val="accent2"/>
+                </a:solidFill>
+                <a:latin typeface="Consolas" panose="020B0609020204030204" pitchFamily="49" charset="0"/>
+                <a:cs typeface="Consolas" panose="020B0609020204030204" pitchFamily="49" charset="0"/>
+              </a:rPr>
+              <a:t>(10)</a:t>
+            </a:r>
+          </a:p>
+          <a:p>
+            <a:pPr lvl="1"/>
+            <a:endParaRPr lang="en-GB" i="1" dirty="0" smtClean="0"/>
+          </a:p>
+          <a:p>
+            <a:r>
+              <a:rPr lang="en-GB" dirty="0" smtClean="0"/>
+              <a:t>You can get properties using the equivalent </a:t>
+            </a:r>
+            <a:r>
+              <a:rPr lang="en-GB" i="1" dirty="0" smtClean="0"/>
+              <a:t>“</a:t>
+            </a:r>
+            <a:r>
+              <a:rPr lang="en-GB" dirty="0">
+                <a:solidFill>
+                  <a:schemeClr val="accent2"/>
+                </a:solidFill>
+                <a:latin typeface="Consolas" panose="020B0609020204030204" pitchFamily="49" charset="0"/>
+                <a:cs typeface="Consolas" panose="020B0609020204030204" pitchFamily="49" charset="0"/>
+              </a:rPr>
+              <a:t>get</a:t>
+            </a:r>
+            <a:r>
+              <a:rPr lang="en-GB" dirty="0" smtClean="0">
+                <a:solidFill>
+                  <a:schemeClr val="accent2"/>
+                </a:solidFill>
+                <a:latin typeface="Consolas" panose="020B0609020204030204" pitchFamily="49" charset="0"/>
+                <a:cs typeface="Consolas" panose="020B0609020204030204" pitchFamily="49" charset="0"/>
+              </a:rPr>
+              <a:t>_...</a:t>
+            </a:r>
+            <a:r>
+              <a:rPr lang="en-GB" i="1" dirty="0" smtClean="0"/>
+              <a:t>” </a:t>
+            </a:r>
+            <a:r>
+              <a:rPr lang="en-GB" dirty="0" smtClean="0"/>
+              <a:t>command:</a:t>
+            </a:r>
+          </a:p>
+          <a:p>
+            <a:endParaRPr lang="en-GB" dirty="0" smtClean="0"/>
           </a:p>
           <a:p>
             <a:pPr marL="285750" indent="-285750">
@@ -12473,15 +12509,17 @@
                 <a:latin typeface="Consolas" panose="020B0609020204030204" pitchFamily="49" charset="0"/>
                 <a:cs typeface="Consolas" panose="020B0609020204030204" pitchFamily="49" charset="0"/>
               </a:rPr>
-              <a:t>change_monitor</a:t>
-            </a:r>
-            <a:r>
-              <a:rPr lang="en-GB" dirty="0"/>
-              <a:t>: Change the monitor to a specified spectrum and </a:t>
-            </a:r>
-            <a:r>
-              <a:rPr lang="en-GB" dirty="0" smtClean="0"/>
-              <a:t>range</a:t>
+              <a:t>g.get_title</a:t>
+            </a:r>
+            <a:r>
+              <a:rPr lang="en-GB" dirty="0">
+                <a:solidFill>
+                  <a:schemeClr val="accent2"/>
+                </a:solidFill>
+                <a:latin typeface="Consolas" panose="020B0609020204030204" pitchFamily="49" charset="0"/>
+                <a:cs typeface="Consolas" panose="020B0609020204030204" pitchFamily="49" charset="0"/>
+              </a:rPr>
+              <a:t>()</a:t>
             </a:r>
           </a:p>
           <a:p>
@@ -12489,12 +12527,25 @@
               <a:buFont typeface="Arial" panose="020B0604020202020204" pitchFamily="34" charset="0"/>
               <a:buChar char="•"/>
             </a:pPr>
-            <a:endParaRPr lang="en-GB" dirty="0"/>
-          </a:p>
-          <a:p>
-            <a:r>
-              <a:rPr lang="en-GB" dirty="0" smtClean="0"/>
-              <a:t>If you use the following commands, you can stop a run from starting while you’re still applying changes:</a:t>
+            <a:r>
+              <a:rPr lang="en-GB" dirty="0" err="1">
+                <a:solidFill>
+                  <a:schemeClr val="accent2"/>
+                </a:solidFill>
+                <a:latin typeface="Consolas" panose="020B0609020204030204" pitchFamily="49" charset="0"/>
+                <a:cs typeface="Consolas" panose="020B0609020204030204" pitchFamily="49" charset="0"/>
+              </a:rPr>
+              <a:t>g.get_user</a:t>
+            </a:r>
+            <a:r>
+              <a:rPr lang="en-GB" dirty="0">
+                <a:solidFill>
+                  <a:schemeClr val="accent2"/>
+                </a:solidFill>
+                <a:latin typeface="Consolas" panose="020B0609020204030204" pitchFamily="49" charset="0"/>
+                <a:cs typeface="Consolas" panose="020B0609020204030204" pitchFamily="49" charset="0"/>
+              </a:rPr>
+              <a:t>()</a:t>
             </a:r>
           </a:p>
           <a:p>
@@ -12502,13 +12553,6 @@
               <a:buFont typeface="Arial" panose="020B0604020202020204" pitchFamily="34" charset="0"/>
               <a:buChar char="•"/>
             </a:pPr>
-            <a:endParaRPr lang="en-GB" dirty="0"/>
-          </a:p>
-          <a:p>
-            <a:pPr marL="285750" indent="-285750">
-              <a:buFont typeface="Arial" panose="020B0604020202020204" pitchFamily="34" charset="0"/>
-              <a:buChar char="•"/>
-            </a:pPr>
             <a:r>
               <a:rPr lang="en-GB" dirty="0" err="1">
                 <a:solidFill>
@@ -12517,44 +12561,25 @@
                 <a:latin typeface="Consolas" panose="020B0609020204030204" pitchFamily="49" charset="0"/>
                 <a:cs typeface="Consolas" panose="020B0609020204030204" pitchFamily="49" charset="0"/>
               </a:rPr>
-              <a:t>change_start</a:t>
-            </a:r>
-            <a:r>
-              <a:rPr lang="en-GB" dirty="0"/>
-              <a:t>: Marks the start of a change</a:t>
-            </a:r>
-          </a:p>
-          <a:p>
-            <a:pPr marL="285750" indent="-285750">
-              <a:buFont typeface="Arial" panose="020B0604020202020204" pitchFamily="34" charset="0"/>
-              <a:buChar char="•"/>
-            </a:pPr>
-            <a:r>
-              <a:rPr lang="en-GB" dirty="0" err="1">
+              <a:t>g.get_rb</a:t>
+            </a:r>
+            <a:r>
+              <a:rPr lang="en-GB" dirty="0">
                 <a:solidFill>
                   <a:schemeClr val="accent2"/>
                 </a:solidFill>
                 <a:latin typeface="Consolas" panose="020B0609020204030204" pitchFamily="49" charset="0"/>
                 <a:cs typeface="Consolas" panose="020B0609020204030204" pitchFamily="49" charset="0"/>
               </a:rPr>
-              <a:t>change_finish</a:t>
-            </a:r>
-            <a:r>
-              <a:rPr lang="en-GB" dirty="0"/>
-              <a:t>: Marks that the current set of changes is complete</a:t>
-            </a:r>
-            <a:r>
-              <a:rPr lang="en-GB" dirty="0" smtClean="0"/>
-              <a:t>.</a:t>
-            </a:r>
-            <a:endParaRPr lang="en-GB" dirty="0"/>
+              <a:t>()</a:t>
+            </a:r>
           </a:p>
         </p:txBody>
       </p:sp>
     </p:spTree>
     <p:extLst>
       <p:ext uri="{BB962C8B-B14F-4D97-AF65-F5344CB8AC3E}">
-        <p14:creationId xmlns:p14="http://schemas.microsoft.com/office/powerpoint/2010/main" val="1380173549"/>
+        <p14:creationId xmlns:p14="http://schemas.microsoft.com/office/powerpoint/2010/main" val="1100711507"/>
       </p:ext>
     </p:extLst>
   </p:cSld>
@@ -13183,21 +13208,6 @@
 </file>
 
 <file path=customXml/item1.xml><?xml version="1.0" encoding="utf-8"?>
-<?mso-contentType ?>
-<FormTemplates xmlns="http://schemas.microsoft.com/sharepoint/v3/contenttype/forms">
-  <Display>DocumentLibraryForm</Display>
-  <Edit>DocumentLibraryForm</Edit>
-  <New>DocumentLibraryForm</New>
-</FormTemplates>
-</file>
-
-<file path=customXml/item2.xml><?xml version="1.0" encoding="utf-8"?>
-<p:properties xmlns:p="http://schemas.microsoft.com/office/2006/metadata/properties" xmlns:xsi="http://www.w3.org/2001/XMLSchema-instance" xmlns:pc="http://schemas.microsoft.com/office/infopath/2007/PartnerControls">
-  <documentManagement/>
-</p:properties>
-</file>
-
-<file path=customXml/item3.xml><?xml version="1.0" encoding="utf-8"?>
 <ct:contentTypeSchema xmlns:ct="http://schemas.microsoft.com/office/2006/metadata/contentType" xmlns:ma="http://schemas.microsoft.com/office/2006/metadata/properties/metaAttributes" ct:_="" ma:_="" ma:contentTypeName="Document" ma:contentTypeID="0x010100D8BDAAA291872E4C9CBDBAE9DC1F214B" ma:contentTypeVersion="0" ma:contentTypeDescription="Create a new document." ma:contentTypeScope="" ma:versionID="37718d931242bc0231cb88c3dc8184c7">
   <xsd:schema xmlns:xsd="http://www.w3.org/2001/XMLSchema" xmlns:xs="http://www.w3.org/2001/XMLSchema" xmlns:p="http://schemas.microsoft.com/office/2006/metadata/properties" targetNamespace="http://schemas.microsoft.com/office/2006/metadata/properties" ma:root="true" ma:fieldsID="8022916f55ab85163ee9a5069dec31d5">
     <xsd:element name="properties">
@@ -13311,10 +13321,33 @@
 </ct:contentTypeSchema>
 </file>
 
+<file path=customXml/item2.xml><?xml version="1.0" encoding="utf-8"?>
+<p:properties xmlns:p="http://schemas.microsoft.com/office/2006/metadata/properties" xmlns:xsi="http://www.w3.org/2001/XMLSchema-instance" xmlns:pc="http://schemas.microsoft.com/office/infopath/2007/PartnerControls">
+  <documentManagement/>
+</p:properties>
+</file>
+
+<file path=customXml/item3.xml><?xml version="1.0" encoding="utf-8"?>
+<?mso-contentType ?>
+<FormTemplates xmlns="http://schemas.microsoft.com/sharepoint/v3/contenttype/forms">
+  <Display>DocumentLibraryForm</Display>
+  <Edit>DocumentLibraryForm</Edit>
+  <New>DocumentLibraryForm</New>
+</FormTemplates>
+</file>
+
 <file path=customXml/itemProps1.xml><?xml version="1.0" encoding="utf-8"?>
-<ds:datastoreItem xmlns:ds="http://schemas.openxmlformats.org/officeDocument/2006/customXml" ds:itemID="{1D176834-956F-4505-BD61-698C091AD5AA}">
+<ds:datastoreItem xmlns:ds="http://schemas.openxmlformats.org/officeDocument/2006/customXml" ds:itemID="{DD040A56-8D6F-4114-A272-42AE3B7D7ECA}">
   <ds:schemaRefs>
-    <ds:schemaRef ds:uri="http://schemas.microsoft.com/sharepoint/v3/contenttype/forms"/>
+    <ds:schemaRef ds:uri="http://schemas.microsoft.com/office/2006/metadata/contentType"/>
+    <ds:schemaRef ds:uri="http://schemas.microsoft.com/office/2006/metadata/properties/metaAttributes"/>
+    <ds:schemaRef ds:uri="http://www.w3.org/2001/XMLSchema"/>
+    <ds:schemaRef ds:uri="http://schemas.microsoft.com/office/2006/metadata/properties"/>
+    <ds:schemaRef ds:uri="http://schemas.openxmlformats.org/package/2006/metadata/core-properties"/>
+    <ds:schemaRef ds:uri="http://purl.org/dc/elements/1.1/"/>
+    <ds:schemaRef ds:uri="http://purl.org/dc/terms/"/>
+    <ds:schemaRef ds:uri="http://schemas.microsoft.com/internal/obd"/>
+    <ds:schemaRef ds:uri="http://schemas.microsoft.com/office/infopath/2007/PartnerControls"/>
   </ds:schemaRefs>
 </ds:datastoreItem>
 </file>
@@ -13335,17 +13368,9 @@
 </file>
 
 <file path=customXml/itemProps3.xml><?xml version="1.0" encoding="utf-8"?>
-<ds:datastoreItem xmlns:ds="http://schemas.openxmlformats.org/officeDocument/2006/customXml" ds:itemID="{DD040A56-8D6F-4114-A272-42AE3B7D7ECA}">
+<ds:datastoreItem xmlns:ds="http://schemas.openxmlformats.org/officeDocument/2006/customXml" ds:itemID="{1D176834-956F-4505-BD61-698C091AD5AA}">
   <ds:schemaRefs>
-    <ds:schemaRef ds:uri="http://schemas.microsoft.com/office/2006/metadata/contentType"/>
-    <ds:schemaRef ds:uri="http://schemas.microsoft.com/office/2006/metadata/properties/metaAttributes"/>
-    <ds:schemaRef ds:uri="http://www.w3.org/2001/XMLSchema"/>
-    <ds:schemaRef ds:uri="http://schemas.microsoft.com/office/2006/metadata/properties"/>
-    <ds:schemaRef ds:uri="http://schemas.openxmlformats.org/package/2006/metadata/core-properties"/>
-    <ds:schemaRef ds:uri="http://purl.org/dc/elements/1.1/"/>
-    <ds:schemaRef ds:uri="http://purl.org/dc/terms/"/>
-    <ds:schemaRef ds:uri="http://schemas.microsoft.com/internal/obd"/>
-    <ds:schemaRef ds:uri="http://schemas.microsoft.com/office/infopath/2007/PartnerControls"/>
+    <ds:schemaRef ds:uri="http://schemas.microsoft.com/sharepoint/v3/contenttype/forms"/>
   </ds:schemaRefs>
 </ds:datastoreItem>
 </file>